--- a/1º Ano/Apresentação/Apresentação BandChess.pptx
+++ b/1º Ano/Apresentação/Apresentação BandChess.pptx
@@ -11,7 +11,10 @@
     <p:sldId id="259" r:id="rId5"/>
     <p:sldId id="261" r:id="rId6"/>
     <p:sldId id="262" r:id="rId7"/>
-    <p:sldId id="260" r:id="rId8"/>
+    <p:sldId id="263" r:id="rId8"/>
+    <p:sldId id="264" r:id="rId9"/>
+    <p:sldId id="265" r:id="rId10"/>
+    <p:sldId id="260" r:id="rId11"/>
   </p:sldIdLst>
   <p:sldSz cx="12192000" cy="6858000"/>
   <p:notesSz cx="6858000" cy="9144000"/>
@@ -140,6 +143,11 @@
       </a:defRPr>
     </a:lvl9pPr>
   </p:defaultTextStyle>
+  <p:extLst>
+    <p:ext uri="{EFAFB233-063F-42B5-8137-9DF3F51BA10A}">
+      <p15:sldGuideLst xmlns:p15="http://schemas.microsoft.com/office/powerpoint/2012/main"/>
+    </p:ext>
+  </p:extLst>
 </p:presentation>
 </file>
 
@@ -2470,6 +2478,113 @@
     <p:extLst>
       <p:ext uri="{BB962C8B-B14F-4D97-AF65-F5344CB8AC3E}">
         <p14:creationId xmlns:p14="http://schemas.microsoft.com/office/powerpoint/2010/main" val="2175017097"/>
+      </p:ext>
+    </p:extLst>
+  </p:cSld>
+  <p:clrMapOvr>
+    <a:masterClrMapping/>
+  </p:clrMapOvr>
+</p:sld>
+</file>
+
+<file path=ppt/slides/slide10.xml><?xml version="1.0" encoding="utf-8"?>
+<p:sld xmlns:a="http://schemas.openxmlformats.org/drawingml/2006/main" xmlns:r="http://schemas.openxmlformats.org/officeDocument/2006/relationships" xmlns:p="http://schemas.openxmlformats.org/presentationml/2006/main">
+  <p:cSld>
+    <p:spTree>
+      <p:nvGrpSpPr>
+        <p:cNvPr id="1" name=""/>
+        <p:cNvGrpSpPr/>
+        <p:nvPr/>
+      </p:nvGrpSpPr>
+      <p:grpSpPr>
+        <a:xfrm>
+          <a:off x="0" y="0"/>
+          <a:ext cx="0" cy="0"/>
+          <a:chOff x="0" y="0"/>
+          <a:chExt cx="0" cy="0"/>
+        </a:xfrm>
+      </p:grpSpPr>
+      <p:sp>
+        <p:nvSpPr>
+          <p:cNvPr id="2" name="Título 1">
+            <a:extLst>
+              <a:ext uri="{FF2B5EF4-FFF2-40B4-BE49-F238E27FC236}">
+                <a16:creationId xmlns:a16="http://schemas.microsoft.com/office/drawing/2014/main" id="{357F9EE8-1D5A-4246-9A77-44E5DB6BC692}"/>
+              </a:ext>
+            </a:extLst>
+          </p:cNvPr>
+          <p:cNvSpPr>
+            <a:spLocks noGrp="1"/>
+          </p:cNvSpPr>
+          <p:nvPr>
+            <p:ph type="title"/>
+          </p:nvPr>
+        </p:nvSpPr>
+        <p:spPr>
+          <a:xfrm>
+            <a:off x="0" y="333375"/>
+            <a:ext cx="11952817" cy="508000"/>
+          </a:xfrm>
+        </p:spPr>
+        <p:txBody>
+          <a:bodyPr/>
+          <a:lstStyle/>
+          <a:p>
+            <a:pPr algn="ctr"/>
+            <a:r>
+              <a:rPr lang="pt-BR" dirty="0">
+                <a:solidFill>
+                  <a:schemeClr val="tx2"/>
+                </a:solidFill>
+              </a:rPr>
+              <a:t>Agradecimentos</a:t>
+            </a:r>
+          </a:p>
+        </p:txBody>
+      </p:sp>
+      <p:sp>
+        <p:nvSpPr>
+          <p:cNvPr id="3" name="Espaço Reservado para Conteúdo 2">
+            <a:extLst>
+              <a:ext uri="{FF2B5EF4-FFF2-40B4-BE49-F238E27FC236}">
+                <a16:creationId xmlns:a16="http://schemas.microsoft.com/office/drawing/2014/main" id="{C0266E07-DFE7-4781-BAF6-C73B2342B74E}"/>
+              </a:ext>
+            </a:extLst>
+          </p:cNvPr>
+          <p:cNvSpPr>
+            <a:spLocks noGrp="1"/>
+          </p:cNvSpPr>
+          <p:nvPr>
+            <p:ph idx="1"/>
+          </p:nvPr>
+        </p:nvSpPr>
+        <p:spPr>
+          <a:xfrm>
+            <a:off x="1007533" y="1268412"/>
+            <a:ext cx="10176933" cy="5256213"/>
+          </a:xfrm>
+        </p:spPr>
+        <p:txBody>
+          <a:bodyPr/>
+          <a:lstStyle/>
+          <a:p>
+            <a:r>
+              <a:rPr lang="pt-BR" dirty="0"/>
+              <a:t>Enzo Godoy;</a:t>
+            </a:r>
+          </a:p>
+          <a:p>
+            <a:r>
+              <a:rPr lang="pt-BR" dirty="0"/>
+              <a:t>Igor Morais.</a:t>
+            </a:r>
+          </a:p>
+        </p:txBody>
+      </p:sp>
+    </p:spTree>
+    <p:extLst>
+      <p:ext uri="{BB962C8B-B14F-4D97-AF65-F5344CB8AC3E}">
+        <p14:creationId xmlns:p14="http://schemas.microsoft.com/office/powerpoint/2010/main" val="851967750"/>
       </p:ext>
     </p:extLst>
   </p:cSld>
@@ -4323,7 +4438,7 @@
           <p:cNvPr id="2" name="Título 1">
             <a:extLst>
               <a:ext uri="{FF2B5EF4-FFF2-40B4-BE49-F238E27FC236}">
-                <a16:creationId xmlns:a16="http://schemas.microsoft.com/office/drawing/2014/main" id="{357F9EE8-1D5A-4246-9A77-44E5DB6BC692}"/>
+                <a16:creationId xmlns:a16="http://schemas.microsoft.com/office/drawing/2014/main" id="{540E9E01-6780-4DEF-B07E-EAC69949A965}"/>
               </a:ext>
             </a:extLst>
           </p:cNvPr>
@@ -4336,8 +4451,8 @@
         </p:nvSpPr>
         <p:spPr>
           <a:xfrm>
-            <a:off x="0" y="333375"/>
-            <a:ext cx="11952817" cy="508000"/>
+            <a:off x="0" y="3129583"/>
+            <a:ext cx="12192000" cy="2727877"/>
           </a:xfrm>
         </p:spPr>
         <p:txBody>
@@ -4346,51 +4461,53 @@
           <a:p>
             <a:pPr algn="ctr"/>
             <a:r>
-              <a:rPr lang="pt-BR" dirty="0">
+              <a:rPr lang="pt-BR" sz="11500" dirty="0" err="1">
                 <a:solidFill>
-                  <a:schemeClr val="tx2"/>
+                  <a:schemeClr val="bg2"/>
                 </a:solidFill>
               </a:rPr>
-              <a:t>Agradecimentos</a:t>
-            </a:r>
+              <a:t>BandChess</a:t>
+            </a:r>
+            <a:endParaRPr lang="pt-BR" dirty="0">
+              <a:solidFill>
+                <a:schemeClr val="bg2"/>
+              </a:solidFill>
+            </a:endParaRPr>
           </a:p>
         </p:txBody>
       </p:sp>
       <p:sp>
         <p:nvSpPr>
-          <p:cNvPr id="3" name="Espaço Reservado para Conteúdo 2">
+          <p:cNvPr id="4" name="CaixaDeTexto 3">
             <a:extLst>
               <a:ext uri="{FF2B5EF4-FFF2-40B4-BE49-F238E27FC236}">
-                <a16:creationId xmlns:a16="http://schemas.microsoft.com/office/drawing/2014/main" id="{C0266E07-DFE7-4781-BAF6-C73B2342B74E}"/>
+                <a16:creationId xmlns:a16="http://schemas.microsoft.com/office/drawing/2014/main" id="{688C919D-80A4-4262-ACD7-24587A332239}"/>
               </a:ext>
             </a:extLst>
           </p:cNvPr>
-          <p:cNvSpPr>
-            <a:spLocks noGrp="1"/>
-          </p:cNvSpPr>
-          <p:nvPr>
-            <p:ph idx="1"/>
-          </p:nvPr>
+          <p:cNvSpPr txBox="1"/>
+          <p:nvPr/>
         </p:nvSpPr>
         <p:spPr>
           <a:xfrm>
-            <a:off x="1007533" y="1268412"/>
-            <a:ext cx="10176933" cy="5256213"/>
+            <a:off x="0" y="1470992"/>
+            <a:ext cx="12191999" cy="1107996"/>
           </a:xfrm>
+          <a:prstGeom prst="rect">
+            <a:avLst/>
+          </a:prstGeom>
+          <a:noFill/>
         </p:spPr>
         <p:txBody>
-          <a:bodyPr/>
+          <a:bodyPr wrap="square" rtlCol="0">
+            <a:spAutoFit/>
+          </a:bodyPr>
           <a:lstStyle/>
           <a:p>
-            <a:r>
-              <a:rPr lang="pt-BR" dirty="0"/>
-              <a:t>Enzo Godoy;</a:t>
-            </a:r>
-          </a:p>
-          <a:p>
-            <a:r>
-              <a:rPr lang="pt-BR" dirty="0"/>
-              <a:t>Igor Morais.</a:t>
+            <a:pPr algn="ctr"/>
+            <a:r>
+              <a:rPr lang="pt-BR" sz="6600" dirty="0"/>
+              <a:t>Site</a:t>
             </a:r>
           </a:p>
         </p:txBody>
@@ -4398,7 +4515,138 @@
     </p:spTree>
     <p:extLst>
       <p:ext uri="{BB962C8B-B14F-4D97-AF65-F5344CB8AC3E}">
-        <p14:creationId xmlns:p14="http://schemas.microsoft.com/office/powerpoint/2010/main" val="851967750"/>
+        <p14:creationId xmlns:p14="http://schemas.microsoft.com/office/powerpoint/2010/main" val="1659289482"/>
+      </p:ext>
+    </p:extLst>
+  </p:cSld>
+  <p:clrMapOvr>
+    <a:masterClrMapping/>
+  </p:clrMapOvr>
+</p:sld>
+</file>
+
+<file path=ppt/slides/slide8.xml><?xml version="1.0" encoding="utf-8"?>
+<p:sld xmlns:a="http://schemas.openxmlformats.org/drawingml/2006/main" xmlns:r="http://schemas.openxmlformats.org/officeDocument/2006/relationships" xmlns:p="http://schemas.openxmlformats.org/presentationml/2006/main">
+  <p:cSld>
+    <p:spTree>
+      <p:nvGrpSpPr>
+        <p:cNvPr id="1" name=""/>
+        <p:cNvGrpSpPr/>
+        <p:nvPr/>
+      </p:nvGrpSpPr>
+      <p:grpSpPr>
+        <a:xfrm>
+          <a:off x="0" y="0"/>
+          <a:ext cx="0" cy="0"/>
+          <a:chOff x="0" y="0"/>
+          <a:chExt cx="0" cy="0"/>
+        </a:xfrm>
+      </p:grpSpPr>
+      <p:pic>
+        <p:nvPicPr>
+          <p:cNvPr id="5" name="Imagem 4" descr="Texto&#10;&#10;Descrição gerada automaticamente">
+            <a:extLst>
+              <a:ext uri="{FF2B5EF4-FFF2-40B4-BE49-F238E27FC236}">
+                <a16:creationId xmlns:a16="http://schemas.microsoft.com/office/drawing/2014/main" id="{E2B73717-1979-4D81-A1CC-56540D0532AB}"/>
+              </a:ext>
+            </a:extLst>
+          </p:cNvPr>
+          <p:cNvPicPr>
+            <a:picLocks noChangeAspect="1"/>
+          </p:cNvPicPr>
+          <p:nvPr/>
+        </p:nvPicPr>
+        <p:blipFill rotWithShape="1">
+          <a:blip r:embed="rId2">
+            <a:extLst>
+              <a:ext uri="{28A0092B-C50C-407E-A947-70E740481C1C}">
+                <a14:useLocalDpi xmlns:a14="http://schemas.microsoft.com/office/drawing/2010/main" val="0"/>
+              </a:ext>
+            </a:extLst>
+          </a:blip>
+          <a:srcRect b="4261"/>
+          <a:stretch/>
+        </p:blipFill>
+        <p:spPr>
+          <a:xfrm>
+            <a:off x="2025496" y="1447067"/>
+            <a:ext cx="8141007" cy="3963865"/>
+          </a:xfrm>
+          <a:prstGeom prst="rect">
+            <a:avLst/>
+          </a:prstGeom>
+        </p:spPr>
+      </p:pic>
+    </p:spTree>
+    <p:extLst>
+      <p:ext uri="{BB962C8B-B14F-4D97-AF65-F5344CB8AC3E}">
+        <p14:creationId xmlns:p14="http://schemas.microsoft.com/office/powerpoint/2010/main" val="1872693196"/>
+      </p:ext>
+    </p:extLst>
+  </p:cSld>
+  <p:clrMapOvr>
+    <a:masterClrMapping/>
+  </p:clrMapOvr>
+</p:sld>
+</file>
+
+<file path=ppt/slides/slide9.xml><?xml version="1.0" encoding="utf-8"?>
+<p:sld xmlns:a="http://schemas.openxmlformats.org/drawingml/2006/main" xmlns:r="http://schemas.openxmlformats.org/officeDocument/2006/relationships" xmlns:p="http://schemas.openxmlformats.org/presentationml/2006/main">
+  <p:cSld>
+    <p:spTree>
+      <p:nvGrpSpPr>
+        <p:cNvPr id="1" name=""/>
+        <p:cNvGrpSpPr/>
+        <p:nvPr/>
+      </p:nvGrpSpPr>
+      <p:grpSpPr>
+        <a:xfrm>
+          <a:off x="0" y="0"/>
+          <a:ext cx="0" cy="0"/>
+          <a:chOff x="0" y="0"/>
+          <a:chExt cx="0" cy="0"/>
+        </a:xfrm>
+      </p:grpSpPr>
+      <p:pic>
+        <p:nvPicPr>
+          <p:cNvPr id="5" name="Imagem 4" descr="Texto, Logotipo&#10;&#10;Descrição gerada automaticamente">
+            <a:extLst>
+              <a:ext uri="{FF2B5EF4-FFF2-40B4-BE49-F238E27FC236}">
+                <a16:creationId xmlns:a16="http://schemas.microsoft.com/office/drawing/2014/main" id="{FAF4D56A-E19C-4159-A9BF-2112A4F750DC}"/>
+              </a:ext>
+            </a:extLst>
+          </p:cNvPr>
+          <p:cNvPicPr>
+            <a:picLocks noChangeAspect="1"/>
+          </p:cNvPicPr>
+          <p:nvPr/>
+        </p:nvPicPr>
+        <p:blipFill>
+          <a:blip r:embed="rId2">
+            <a:extLst>
+              <a:ext uri="{28A0092B-C50C-407E-A947-70E740481C1C}">
+                <a14:useLocalDpi xmlns:a14="http://schemas.microsoft.com/office/drawing/2010/main" val="0"/>
+              </a:ext>
+            </a:extLst>
+          </a:blip>
+          <a:stretch>
+            <a:fillRect/>
+          </a:stretch>
+        </p:blipFill>
+        <p:spPr>
+          <a:xfrm>
+            <a:off x="2782956" y="115956"/>
+            <a:ext cx="6626087" cy="6626087"/>
+          </a:xfrm>
+          <a:prstGeom prst="rect">
+            <a:avLst/>
+          </a:prstGeom>
+        </p:spPr>
+      </p:pic>
+    </p:spTree>
+    <p:extLst>
+      <p:ext uri="{BB962C8B-B14F-4D97-AF65-F5344CB8AC3E}">
+        <p14:creationId xmlns:p14="http://schemas.microsoft.com/office/powerpoint/2010/main" val="2471452734"/>
       </p:ext>
     </p:extLst>
   </p:cSld>
